--- a/source/docs/管理ソフトウェア仕様書.pptx
+++ b/source/docs/管理ソフトウェア仕様書.pptx
@@ -277,7 +277,7 @@
           <a:p>
             <a:fld id="{260B2DE4-4C89-464B-BA5F-760EFF51B16B}" type="datetimeFigureOut">
               <a:rPr kumimoji="1" lang="ja-JP" altLang="en-US" smtClean="0"/>
-              <a:t>2025/7/30</a:t>
+              <a:t>2025/8/1</a:t>
             </a:fld>
             <a:endParaRPr kumimoji="1" lang="ja-JP" altLang="en-US"/>
           </a:p>
@@ -523,7 +523,7 @@
           <a:p>
             <a:fld id="{260B2DE4-4C89-464B-BA5F-760EFF51B16B}" type="datetimeFigureOut">
               <a:rPr kumimoji="1" lang="ja-JP" altLang="en-US" smtClean="0"/>
-              <a:t>2025/7/30</a:t>
+              <a:t>2025/8/1</a:t>
             </a:fld>
             <a:endParaRPr kumimoji="1" lang="ja-JP" altLang="en-US"/>
           </a:p>
@@ -769,7 +769,7 @@
           <a:p>
             <a:fld id="{260B2DE4-4C89-464B-BA5F-760EFF51B16B}" type="datetimeFigureOut">
               <a:rPr kumimoji="1" lang="ja-JP" altLang="en-US" smtClean="0"/>
-              <a:t>2025/7/30</a:t>
+              <a:t>2025/8/1</a:t>
             </a:fld>
             <a:endParaRPr kumimoji="1" lang="ja-JP" altLang="en-US"/>
           </a:p>
@@ -882,7 +882,7 @@
           <a:p>
             <a:fld id="{260B2DE4-4C89-464B-BA5F-760EFF51B16B}" type="datetimeFigureOut">
               <a:rPr kumimoji="1" lang="ja-JP" altLang="en-US" smtClean="0"/>
-              <a:t>2025/7/30</a:t>
+              <a:t>2025/8/1</a:t>
             </a:fld>
             <a:endParaRPr kumimoji="1" lang="ja-JP" altLang="en-US"/>
           </a:p>
@@ -1163,7 +1163,7 @@
           <a:p>
             <a:fld id="{260B2DE4-4C89-464B-BA5F-760EFF51B16B}" type="datetimeFigureOut">
               <a:rPr kumimoji="1" lang="ja-JP" altLang="en-US" smtClean="0"/>
-              <a:t>2025/7/30</a:t>
+              <a:t>2025/8/1</a:t>
             </a:fld>
             <a:endParaRPr kumimoji="1" lang="ja-JP" altLang="en-US"/>
           </a:p>
@@ -1506,7 +1506,7 @@
           <a:p>
             <a:fld id="{260B2DE4-4C89-464B-BA5F-760EFF51B16B}" type="datetimeFigureOut">
               <a:rPr kumimoji="1" lang="ja-JP" altLang="en-US" smtClean="0"/>
-              <a:t>2025/7/30</a:t>
+              <a:t>2025/8/1</a:t>
             </a:fld>
             <a:endParaRPr kumimoji="1" lang="ja-JP" altLang="en-US"/>
           </a:p>
@@ -1997,7 +1997,7 @@
           <a:p>
             <a:fld id="{260B2DE4-4C89-464B-BA5F-760EFF51B16B}" type="datetimeFigureOut">
               <a:rPr kumimoji="1" lang="ja-JP" altLang="en-US" smtClean="0"/>
-              <a:t>2025/7/30</a:t>
+              <a:t>2025/8/1</a:t>
             </a:fld>
             <a:endParaRPr kumimoji="1" lang="ja-JP" altLang="en-US"/>
           </a:p>
@@ -2146,7 +2146,7 @@
           <a:p>
             <a:fld id="{260B2DE4-4C89-464B-BA5F-760EFF51B16B}" type="datetimeFigureOut">
               <a:rPr kumimoji="1" lang="ja-JP" altLang="en-US" smtClean="0"/>
-              <a:t>2025/7/30</a:t>
+              <a:t>2025/8/1</a:t>
             </a:fld>
             <a:endParaRPr kumimoji="1" lang="ja-JP" altLang="en-US"/>
           </a:p>
@@ -2259,7 +2259,7 @@
           <a:p>
             <a:fld id="{260B2DE4-4C89-464B-BA5F-760EFF51B16B}" type="datetimeFigureOut">
               <a:rPr kumimoji="1" lang="ja-JP" altLang="en-US" smtClean="0"/>
-              <a:t>2025/7/30</a:t>
+              <a:t>2025/8/1</a:t>
             </a:fld>
             <a:endParaRPr kumimoji="1" lang="ja-JP" altLang="en-US"/>
           </a:p>
@@ -2611,7 +2611,7 @@
           <a:p>
             <a:fld id="{260B2DE4-4C89-464B-BA5F-760EFF51B16B}" type="datetimeFigureOut">
               <a:rPr kumimoji="1" lang="ja-JP" altLang="en-US" smtClean="0"/>
-              <a:t>2025/7/30</a:t>
+              <a:t>2025/8/1</a:t>
             </a:fld>
             <a:endParaRPr kumimoji="1" lang="ja-JP" altLang="en-US"/>
           </a:p>
@@ -2908,7 +2908,7 @@
           <a:p>
             <a:fld id="{260B2DE4-4C89-464B-BA5F-760EFF51B16B}" type="datetimeFigureOut">
               <a:rPr kumimoji="1" lang="ja-JP" altLang="en-US" smtClean="0"/>
-              <a:t>2025/7/30</a:t>
+              <a:t>2025/8/1</a:t>
             </a:fld>
             <a:endParaRPr kumimoji="1" lang="ja-JP" altLang="en-US"/>
           </a:p>
@@ -3044,7 +3044,7 @@
           <a:p>
             <a:fld id="{260B2DE4-4C89-464B-BA5F-760EFF51B16B}" type="datetimeFigureOut">
               <a:rPr kumimoji="1" lang="ja-JP" altLang="en-US" smtClean="0"/>
-              <a:t>2025/7/30</a:t>
+              <a:t>2025/8/1</a:t>
             </a:fld>
             <a:endParaRPr kumimoji="1" lang="ja-JP" altLang="en-US"/>
           </a:p>
@@ -8297,6 +8297,11 @@
             <a:avLst/>
           </a:prstGeom>
           <a:noFill/>
+          <a:ln>
+            <a:solidFill>
+              <a:schemeClr val="tx1"/>
+            </a:solidFill>
+          </a:ln>
         </p:spPr>
         <p:txBody>
           <a:bodyPr wrap="square" rtlCol="0">
@@ -8384,6 +8389,11 @@
             <a:avLst/>
           </a:prstGeom>
           <a:noFill/>
+          <a:ln>
+            <a:solidFill>
+              <a:schemeClr val="tx2"/>
+            </a:solidFill>
+          </a:ln>
         </p:spPr>
         <p:txBody>
           <a:bodyPr wrap="square" rtlCol="0">
@@ -8434,6 +8444,11 @@
             <a:avLst/>
           </a:prstGeom>
           <a:noFill/>
+          <a:ln>
+            <a:solidFill>
+              <a:schemeClr val="tx1"/>
+            </a:solidFill>
+          </a:ln>
         </p:spPr>
         <p:txBody>
           <a:bodyPr wrap="square" rtlCol="0">
@@ -8997,6 +9012,11 @@
             <a:avLst/>
           </a:prstGeom>
           <a:noFill/>
+          <a:ln>
+            <a:solidFill>
+              <a:schemeClr val="tx1"/>
+            </a:solidFill>
+          </a:ln>
         </p:spPr>
         <p:txBody>
           <a:bodyPr wrap="square" rtlCol="0">
@@ -9049,6 +9069,11 @@
             <a:avLst/>
           </a:prstGeom>
           <a:noFill/>
+          <a:ln>
+            <a:solidFill>
+              <a:schemeClr val="tx1"/>
+            </a:solidFill>
+          </a:ln>
         </p:spPr>
         <p:txBody>
           <a:bodyPr wrap="square" rtlCol="0">
@@ -9097,6 +9122,11 @@
             <a:avLst/>
           </a:prstGeom>
           <a:noFill/>
+          <a:ln>
+            <a:solidFill>
+              <a:schemeClr val="tx1"/>
+            </a:solidFill>
+          </a:ln>
         </p:spPr>
         <p:txBody>
           <a:bodyPr wrap="square" rtlCol="0">
@@ -9879,8 +9909,8 @@
         </p:nvSpPr>
         <p:spPr>
           <a:xfrm>
-            <a:off x="452581" y="1681017"/>
-            <a:ext cx="5283201" cy="2862322"/>
+            <a:off x="600363" y="1632317"/>
+            <a:ext cx="5283201" cy="2400657"/>
           </a:xfrm>
           <a:prstGeom prst="rect">
             <a:avLst/>
@@ -9894,7 +9924,7 @@
           <a:lstStyle/>
           <a:p>
             <a:r>
-              <a:rPr lang="en-US" altLang="ja-JP" sz="1200" b="1">
+              <a:rPr lang="en-US" altLang="ja-JP" sz="1000" b="1">
                 <a:solidFill>
                   <a:srgbClr val="FF0000"/>
                 </a:solidFill>
@@ -9902,135 +9932,135 @@
               <a:t>SAMPLE</a:t>
             </a:r>
             <a:r>
-              <a:rPr lang="en-US" altLang="ja-JP" sz="1200"/>
+              <a:rPr lang="en-US" altLang="ja-JP" sz="1000"/>
               <a:t> </a:t>
             </a:r>
           </a:p>
           <a:p>
             <a:r>
-              <a:rPr lang="en-US" altLang="ja-JP" sz="1200"/>
+              <a:rPr lang="en-US" altLang="ja-JP" sz="1000"/>
               <a:t>"SITE_NAME": "zawazawaSpla3_</a:t>
             </a:r>
             <a:r>
-              <a:rPr lang="ja-JP" altLang="en-US" sz="1200"/>
+              <a:rPr lang="ja-JP" altLang="en-US" sz="1000"/>
               <a:t>ブキ</a:t>
             </a:r>
             <a:r>
-              <a:rPr lang="en-US" altLang="ja-JP" sz="1200"/>
+              <a:rPr lang="en-US" altLang="ja-JP" sz="1000"/>
               <a:t>",</a:t>
             </a:r>
           </a:p>
           <a:p>
             <a:r>
-              <a:rPr lang="en-US" altLang="ja-JP" sz="1200"/>
+              <a:rPr lang="en-US" altLang="ja-JP" sz="1000"/>
               <a:t>  "URL": "https://zawazawa.jp/spla3/tag/%E3%83%96%E3%82%AD",</a:t>
             </a:r>
           </a:p>
           <a:p>
             <a:r>
-              <a:rPr lang="en-US" altLang="ja-JP" sz="1200"/>
+              <a:rPr lang="en-US" altLang="ja-JP" sz="1000"/>
               <a:t>  "PAGE": [</a:t>
             </a:r>
           </a:p>
           <a:p>
             <a:r>
-              <a:rPr lang="ja-JP" altLang="en-US" sz="1200"/>
+              <a:rPr lang="ja-JP" altLang="en-US" sz="1000"/>
               <a:t>    </a:t>
             </a:r>
             <a:r>
-              <a:rPr lang="en-US" altLang="ja-JP" sz="1200"/>
+              <a:rPr lang="en-US" altLang="ja-JP" sz="1000"/>
               <a:t>{</a:t>
             </a:r>
           </a:p>
           <a:p>
             <a:r>
-              <a:rPr lang="en-US" altLang="ja-JP" sz="1200"/>
+              <a:rPr lang="en-US" altLang="ja-JP" sz="1000"/>
               <a:t>      "TARGET_LINK": {</a:t>
             </a:r>
           </a:p>
           <a:p>
             <a:r>
-              <a:rPr lang="en-US" altLang="ja-JP" sz="1200"/>
+              <a:rPr lang="en-US" altLang="ja-JP" sz="1000"/>
               <a:t>        "NODE": "//h3[contains(@class, 'list-view-item-heading')]/a",</a:t>
             </a:r>
           </a:p>
           <a:p>
             <a:r>
-              <a:rPr lang="ja-JP" altLang="en-US" sz="1200"/>
+              <a:rPr lang="ja-JP" altLang="en-US" sz="1000"/>
               <a:t>        </a:t>
             </a:r>
             <a:r>
-              <a:rPr lang="en-US" altLang="ja-JP" sz="1200"/>
+              <a:rPr lang="en-US" altLang="ja-JP" sz="1000"/>
               <a:t>"LINKTEXT": "</a:t>
             </a:r>
             <a:r>
-              <a:rPr lang="ja-JP" altLang="en-US" sz="1200"/>
+              <a:rPr lang="ja-JP" altLang="en-US" sz="1000"/>
               <a:t>わかばシューター</a:t>
             </a:r>
             <a:r>
-              <a:rPr lang="en-US" altLang="ja-JP" sz="1200"/>
+              <a:rPr lang="en-US" altLang="ja-JP" sz="1000"/>
               <a:t>"</a:t>
             </a:r>
-            <a:endParaRPr lang="ja-JP" altLang="en-US" sz="1200"/>
-          </a:p>
-          <a:p>
-            <a:r>
-              <a:rPr lang="ja-JP" altLang="en-US" sz="1200"/>
+            <a:endParaRPr lang="ja-JP" altLang="en-US" sz="1000"/>
+          </a:p>
+          <a:p>
+            <a:r>
+              <a:rPr lang="ja-JP" altLang="en-US" sz="1000"/>
               <a:t>      </a:t>
             </a:r>
             <a:r>
-              <a:rPr lang="en-US" altLang="ja-JP" sz="1200"/>
+              <a:rPr lang="en-US" altLang="ja-JP" sz="1000"/>
               <a:t>},</a:t>
             </a:r>
           </a:p>
           <a:p>
             <a:r>
-              <a:rPr lang="en-US" altLang="ja-JP" sz="1200"/>
+              <a:rPr lang="en-US" altLang="ja-JP" sz="1000"/>
               <a:t>      "PAGINATION": {</a:t>
             </a:r>
           </a:p>
           <a:p>
             <a:r>
-              <a:rPr lang="en-US" altLang="ja-JP" sz="1200"/>
+              <a:rPr lang="en-US" altLang="ja-JP" sz="1000"/>
               <a:t>        "NEXT_LINK": "//li[contains(@class, 'next')]/a",</a:t>
             </a:r>
           </a:p>
           <a:p>
             <a:r>
-              <a:rPr lang="en-US" altLang="ja-JP" sz="1200"/>
+              <a:rPr lang="en-US" altLang="ja-JP" sz="1000"/>
               <a:t>        "PREV_LINK": "//li[contains(@class, 'prev')]/a"</a:t>
             </a:r>
           </a:p>
           <a:p>
             <a:r>
-              <a:rPr lang="ja-JP" altLang="en-US" sz="1200"/>
+              <a:rPr lang="ja-JP" altLang="en-US" sz="1000"/>
               <a:t>      </a:t>
             </a:r>
             <a:r>
-              <a:rPr lang="en-US" altLang="ja-JP" sz="1200"/>
+              <a:rPr lang="en-US" altLang="ja-JP" sz="1000"/>
               <a:t>}</a:t>
             </a:r>
           </a:p>
           <a:p>
             <a:r>
-              <a:rPr lang="ja-JP" altLang="en-US" sz="1200"/>
+              <a:rPr lang="ja-JP" altLang="en-US" sz="1000"/>
               <a:t>    </a:t>
             </a:r>
             <a:r>
-              <a:rPr lang="en-US" altLang="ja-JP" sz="1200"/>
+              <a:rPr lang="en-US" altLang="ja-JP" sz="1000"/>
               <a:t>}</a:t>
             </a:r>
           </a:p>
           <a:p>
             <a:r>
-              <a:rPr lang="ja-JP" altLang="en-US" sz="1200"/>
+              <a:rPr lang="ja-JP" altLang="en-US" sz="1000"/>
               <a:t>  </a:t>
             </a:r>
             <a:r>
-              <a:rPr lang="en-US" altLang="ja-JP" sz="1200"/>
+              <a:rPr lang="en-US" altLang="ja-JP" sz="1000"/>
               <a:t>],</a:t>
             </a:r>
-            <a:endParaRPr kumimoji="1" lang="ja-JP" altLang="en-US" sz="1200"/>
+            <a:endParaRPr kumimoji="1" lang="ja-JP" altLang="en-US" sz="1000"/>
           </a:p>
         </p:txBody>
       </p:sp>
@@ -10148,8 +10178,8 @@
         </p:nvSpPr>
         <p:spPr>
           <a:xfrm>
-            <a:off x="1694872" y="1367848"/>
-            <a:ext cx="2105891" cy="433241"/>
+            <a:off x="1532076" y="1545227"/>
+            <a:ext cx="1731819" cy="336692"/>
           </a:xfrm>
           <a:prstGeom prst="wedgeRoundRectCallout">
             <a:avLst>
@@ -10213,8 +10243,8 @@
         </p:nvSpPr>
         <p:spPr>
           <a:xfrm>
-            <a:off x="2747817" y="2303881"/>
-            <a:ext cx="2733964" cy="433242"/>
+            <a:off x="3263895" y="2549013"/>
+            <a:ext cx="1895767" cy="283633"/>
           </a:xfrm>
           <a:prstGeom prst="wedgeRoundRectCallout">
             <a:avLst>
@@ -10299,13 +10329,13 @@
         </p:nvSpPr>
         <p:spPr>
           <a:xfrm>
-            <a:off x="2747816" y="3049267"/>
-            <a:ext cx="2987965" cy="433242"/>
+            <a:off x="2110508" y="3532721"/>
+            <a:ext cx="2627748" cy="433242"/>
           </a:xfrm>
           <a:prstGeom prst="wedgeRoundRectCallout">
             <a:avLst>
-              <a:gd name="adj1" fmla="val -72347"/>
-              <a:gd name="adj2" fmla="val 46209"/>
+              <a:gd name="adj1" fmla="val -48094"/>
+              <a:gd name="adj2" fmla="val -141399"/>
               <a:gd name="adj3" fmla="val 16667"/>
             </a:avLst>
           </a:prstGeom>
@@ -10380,6 +10410,919 @@
               <a:t>を定義</a:t>
             </a:r>
             <a:endParaRPr kumimoji="1" lang="en-US" altLang="ja-JP" sz="800">
+              <a:solidFill>
+                <a:schemeClr val="tx1"/>
+              </a:solidFill>
+            </a:endParaRPr>
+          </a:p>
+        </p:txBody>
+      </p:sp>
+      <p:sp>
+        <p:nvSpPr>
+          <p:cNvPr id="3" name="テキスト ボックス 2">
+            <a:extLst>
+              <a:ext uri="{FF2B5EF4-FFF2-40B4-BE49-F238E27FC236}">
+                <a16:creationId xmlns:a16="http://schemas.microsoft.com/office/drawing/2014/main" id="{AE51E50C-DF8B-EBF8-CF6D-28FDCB90C164}"/>
+              </a:ext>
+            </a:extLst>
+          </p:cNvPr>
+          <p:cNvSpPr txBox="1"/>
+          <p:nvPr/>
+        </p:nvSpPr>
+        <p:spPr>
+          <a:xfrm>
+            <a:off x="7032340" y="266596"/>
+            <a:ext cx="4673600" cy="6324808"/>
+          </a:xfrm>
+          <a:prstGeom prst="rect">
+            <a:avLst/>
+          </a:prstGeom>
+          <a:noFill/>
+        </p:spPr>
+        <p:txBody>
+          <a:bodyPr wrap="square" rtlCol="0">
+            <a:spAutoFit/>
+          </a:bodyPr>
+          <a:lstStyle/>
+          <a:p>
+            <a:r>
+              <a:rPr lang="en-US" altLang="ja-JP" sz="900"/>
+              <a:t>{</a:t>
+            </a:r>
+          </a:p>
+          <a:p>
+            <a:r>
+              <a:rPr lang="en-US" altLang="ja-JP" sz="900"/>
+              <a:t>  "SITE_NAME": "zawazawaSpla3_</a:t>
+            </a:r>
+            <a:r>
+              <a:rPr lang="ja-JP" altLang="en-US" sz="900"/>
+              <a:t>ブキ</a:t>
+            </a:r>
+            <a:r>
+              <a:rPr lang="en-US" altLang="ja-JP" sz="900"/>
+              <a:t>",</a:t>
+            </a:r>
+          </a:p>
+          <a:p>
+            <a:r>
+              <a:rPr lang="en-US" altLang="ja-JP" sz="900"/>
+              <a:t>  "URL": "https://zawazawa.jp/spla3/tag/%E3%83%96%E3%82%AD",</a:t>
+            </a:r>
+          </a:p>
+          <a:p>
+            <a:r>
+              <a:rPr lang="en-US" altLang="ja-JP" sz="900"/>
+              <a:t>  "PAGES": [</a:t>
+            </a:r>
+          </a:p>
+          <a:p>
+            <a:r>
+              <a:rPr lang="ja-JP" altLang="en-US" sz="900"/>
+              <a:t>    </a:t>
+            </a:r>
+            <a:r>
+              <a:rPr lang="en-US" altLang="ja-JP" sz="900"/>
+              <a:t>{</a:t>
+            </a:r>
+          </a:p>
+          <a:p>
+            <a:r>
+              <a:rPr lang="en-US" altLang="ja-JP" sz="900"/>
+              <a:t>      "TARGET_LINK": {</a:t>
+            </a:r>
+          </a:p>
+          <a:p>
+            <a:r>
+              <a:rPr lang="en-US" altLang="ja-JP" sz="900"/>
+              <a:t>        "NODE": "//h3[contains(@class, 'list-view-item-heading')]/a",</a:t>
+            </a:r>
+          </a:p>
+          <a:p>
+            <a:r>
+              <a:rPr lang="ja-JP" altLang="en-US" sz="900"/>
+              <a:t>        </a:t>
+            </a:r>
+            <a:r>
+              <a:rPr lang="en-US" altLang="ja-JP" sz="900"/>
+              <a:t>"LINKTEXT": "</a:t>
+            </a:r>
+            <a:r>
+              <a:rPr lang="ja-JP" altLang="en-US" sz="900"/>
+              <a:t>わかばシューター</a:t>
+            </a:r>
+            <a:r>
+              <a:rPr lang="en-US" altLang="ja-JP" sz="900"/>
+              <a:t>"</a:t>
+            </a:r>
+            <a:endParaRPr lang="ja-JP" altLang="en-US" sz="900"/>
+          </a:p>
+          <a:p>
+            <a:r>
+              <a:rPr lang="ja-JP" altLang="en-US" sz="900"/>
+              <a:t>      </a:t>
+            </a:r>
+            <a:r>
+              <a:rPr lang="en-US" altLang="ja-JP" sz="900"/>
+              <a:t>},</a:t>
+            </a:r>
+          </a:p>
+          <a:p>
+            <a:r>
+              <a:rPr lang="en-US" altLang="ja-JP" sz="900"/>
+              <a:t>      "PAGINATION": {</a:t>
+            </a:r>
+          </a:p>
+          <a:p>
+            <a:r>
+              <a:rPr lang="en-US" altLang="ja-JP" sz="900"/>
+              <a:t>        "NEXT_LINK": "//li[contains(@class, 'next')]/a",</a:t>
+            </a:r>
+          </a:p>
+          <a:p>
+            <a:r>
+              <a:rPr lang="en-US" altLang="ja-JP" sz="900"/>
+              <a:t>        "PREV_LINK": "//li[contains(@class, 'prev')]/a"</a:t>
+            </a:r>
+          </a:p>
+          <a:p>
+            <a:r>
+              <a:rPr lang="ja-JP" altLang="en-US" sz="900"/>
+              <a:t>      </a:t>
+            </a:r>
+            <a:r>
+              <a:rPr lang="en-US" altLang="ja-JP" sz="900"/>
+              <a:t>}</a:t>
+            </a:r>
+          </a:p>
+          <a:p>
+            <a:r>
+              <a:rPr lang="ja-JP" altLang="en-US" sz="900"/>
+              <a:t>    </a:t>
+            </a:r>
+            <a:r>
+              <a:rPr lang="en-US" altLang="ja-JP" sz="900"/>
+              <a:t>}</a:t>
+            </a:r>
+          </a:p>
+          <a:p>
+            <a:r>
+              <a:rPr lang="ja-JP" altLang="en-US" sz="900"/>
+              <a:t>  </a:t>
+            </a:r>
+            <a:r>
+              <a:rPr lang="en-US" altLang="ja-JP" sz="900"/>
+              <a:t>],</a:t>
+            </a:r>
+          </a:p>
+          <a:p>
+            <a:r>
+              <a:rPr lang="en-US" altLang="ja-JP" sz="900"/>
+              <a:t>  "LOGIC": "Posts",</a:t>
+            </a:r>
+          </a:p>
+          <a:p>
+            <a:r>
+              <a:rPr lang="en-US" altLang="ja-JP" sz="900"/>
+              <a:t>  "LIST_NODE": "//div[@id='main-list-view-widget']",</a:t>
+            </a:r>
+          </a:p>
+          <a:p>
+            <a:r>
+              <a:rPr lang="en-US" altLang="ja-JP" sz="900"/>
+              <a:t>  "POST_NODE": ".//*[contains(@class, 'list-view-item')]",</a:t>
+            </a:r>
+          </a:p>
+          <a:p>
+            <a:r>
+              <a:rPr lang="en-US" altLang="ja-JP" sz="900"/>
+              <a:t>  "USER_ID": {</a:t>
+            </a:r>
+          </a:p>
+          <a:p>
+            <a:r>
+              <a:rPr lang="en-US" altLang="ja-JP" sz="900"/>
+              <a:t>    "NODE": ".//*[contains(@class, 'hashed-track-info')]",</a:t>
+            </a:r>
+          </a:p>
+          <a:p>
+            <a:r>
+              <a:rPr lang="en-US" altLang="ja-JP" sz="900"/>
+              <a:t>    "TYPE": "text"</a:t>
+            </a:r>
+          </a:p>
+          <a:p>
+            <a:r>
+              <a:rPr lang="ja-JP" altLang="en-US" sz="900"/>
+              <a:t>  </a:t>
+            </a:r>
+            <a:r>
+              <a:rPr lang="en-US" altLang="ja-JP" sz="900"/>
+              <a:t>},</a:t>
+            </a:r>
+          </a:p>
+          <a:p>
+            <a:r>
+              <a:rPr lang="en-US" altLang="ja-JP" sz="900"/>
+              <a:t>  "TEXT": {</a:t>
+            </a:r>
+          </a:p>
+          <a:p>
+            <a:r>
+              <a:rPr lang="en-US" altLang="ja-JP" sz="900"/>
+              <a:t>    "NODE": ".//div[contains(@class, 'body')]//p",</a:t>
+            </a:r>
+          </a:p>
+          <a:p>
+            <a:r>
+              <a:rPr lang="en-US" altLang="ja-JP" sz="900"/>
+              <a:t>    "TYPE": "text"</a:t>
+            </a:r>
+          </a:p>
+          <a:p>
+            <a:r>
+              <a:rPr lang="ja-JP" altLang="en-US" sz="900"/>
+              <a:t>  </a:t>
+            </a:r>
+            <a:r>
+              <a:rPr lang="en-US" altLang="ja-JP" sz="900"/>
+              <a:t>},</a:t>
+            </a:r>
+          </a:p>
+          <a:p>
+            <a:r>
+              <a:rPr lang="en-US" altLang="ja-JP" sz="900"/>
+              <a:t>  "DATE": {</a:t>
+            </a:r>
+          </a:p>
+          <a:p>
+            <a:r>
+              <a:rPr lang="nl-NL" altLang="ja-JP" sz="900"/>
+              <a:t>    "NODE": ".//small[@class='comment-timestamp']/a",</a:t>
+            </a:r>
+          </a:p>
+          <a:p>
+            <a:r>
+              <a:rPr lang="en-US" altLang="ja-JP" sz="900"/>
+              <a:t>    "TYPE": "text"</a:t>
+            </a:r>
+          </a:p>
+          <a:p>
+            <a:r>
+              <a:rPr lang="ja-JP" altLang="en-US" sz="900"/>
+              <a:t>  </a:t>
+            </a:r>
+            <a:r>
+              <a:rPr lang="en-US" altLang="ja-JP" sz="900"/>
+              <a:t>},</a:t>
+            </a:r>
+          </a:p>
+          <a:p>
+            <a:r>
+              <a:rPr lang="en-US" altLang="ja-JP" sz="900"/>
+              <a:t>  "REPLY": {</a:t>
+            </a:r>
+          </a:p>
+          <a:p>
+            <a:r>
+              <a:rPr lang="fr-FR" altLang="ja-JP" sz="900"/>
+              <a:t>    "NODE": ".//div[contains(@class, 'comment-parent-link')]",</a:t>
+            </a:r>
+          </a:p>
+          <a:p>
+            <a:r>
+              <a:rPr lang="en-US" altLang="ja-JP" sz="900"/>
+              <a:t>    "TYPE": "text"</a:t>
+            </a:r>
+          </a:p>
+          <a:p>
+            <a:r>
+              <a:rPr lang="ja-JP" altLang="en-US" sz="900"/>
+              <a:t>  </a:t>
+            </a:r>
+            <a:r>
+              <a:rPr lang="en-US" altLang="ja-JP" sz="900"/>
+              <a:t>},</a:t>
+            </a:r>
+          </a:p>
+          <a:p>
+            <a:r>
+              <a:rPr lang="en-US" altLang="ja-JP" sz="900"/>
+              <a:t>  "IMAGE": {</a:t>
+            </a:r>
+          </a:p>
+          <a:p>
+            <a:r>
+              <a:rPr lang="it-IT" altLang="ja-JP" sz="900"/>
+              <a:t>    "NODE": ".//div[contains(@class, 'media-modal')]",</a:t>
+            </a:r>
+          </a:p>
+          <a:p>
+            <a:r>
+              <a:rPr lang="en-US" altLang="ja-JP" sz="900"/>
+              <a:t>    "TYPE": "text"</a:t>
+            </a:r>
+          </a:p>
+          <a:p>
+            <a:r>
+              <a:rPr lang="ja-JP" altLang="en-US" sz="900"/>
+              <a:t>  </a:t>
+            </a:r>
+            <a:r>
+              <a:rPr lang="en-US" altLang="ja-JP" sz="900"/>
+              <a:t>},</a:t>
+            </a:r>
+          </a:p>
+          <a:p>
+            <a:r>
+              <a:rPr lang="en-US" altLang="ja-JP" sz="900"/>
+              <a:t>  "POST_ID": {</a:t>
+            </a:r>
+          </a:p>
+          <a:p>
+            <a:r>
+              <a:rPr lang="en-US" altLang="ja-JP" sz="900"/>
+              <a:t>    "NODE": ".",</a:t>
+            </a:r>
+          </a:p>
+          <a:p>
+            <a:r>
+              <a:rPr lang="en-US" altLang="ja-JP" sz="900"/>
+              <a:t>    "TYPE": "attribute",</a:t>
+            </a:r>
+          </a:p>
+          <a:p>
+            <a:r>
+              <a:rPr lang="en-US" altLang="ja-JP" sz="900"/>
+              <a:t>    "ATTRIBUTE": "data-key"</a:t>
+            </a:r>
+          </a:p>
+          <a:p>
+            <a:r>
+              <a:rPr lang="ja-JP" altLang="en-US" sz="900"/>
+              <a:t>  </a:t>
+            </a:r>
+            <a:r>
+              <a:rPr lang="en-US" altLang="ja-JP" sz="900"/>
+              <a:t>}</a:t>
+            </a:r>
+          </a:p>
+          <a:p>
+            <a:r>
+              <a:rPr lang="en-US" altLang="ja-JP" sz="900"/>
+              <a:t>}</a:t>
+            </a:r>
+          </a:p>
+          <a:p>
+            <a:endParaRPr lang="ja-JP" altLang="en-US" sz="900"/>
+          </a:p>
+        </p:txBody>
+      </p:sp>
+      <p:sp>
+        <p:nvSpPr>
+          <p:cNvPr id="5" name="吹き出し: 角を丸めた四角形 4">
+            <a:extLst>
+              <a:ext uri="{FF2B5EF4-FFF2-40B4-BE49-F238E27FC236}">
+                <a16:creationId xmlns:a16="http://schemas.microsoft.com/office/drawing/2014/main" id="{9B25CB8C-04A9-D874-1E92-045CAD73B795}"/>
+              </a:ext>
+            </a:extLst>
+          </p:cNvPr>
+          <p:cNvSpPr/>
+          <p:nvPr/>
+        </p:nvSpPr>
+        <p:spPr>
+          <a:xfrm>
+            <a:off x="9369140" y="2046121"/>
+            <a:ext cx="1519384" cy="304688"/>
+          </a:xfrm>
+          <a:prstGeom prst="wedgeRoundRectCallout">
+            <a:avLst>
+              <a:gd name="adj1" fmla="val -120123"/>
+              <a:gd name="adj2" fmla="val 60776"/>
+              <a:gd name="adj3" fmla="val 16667"/>
+            </a:avLst>
+          </a:prstGeom>
+          <a:solidFill>
+            <a:schemeClr val="bg1"/>
+          </a:solidFill>
+          <a:ln w="3175">
+            <a:solidFill>
+              <a:schemeClr val="tx1"/>
+            </a:solidFill>
+          </a:ln>
+        </p:spPr>
+        <p:style>
+          <a:lnRef idx="2">
+            <a:schemeClr val="accent1">
+              <a:shade val="15000"/>
+            </a:schemeClr>
+          </a:lnRef>
+          <a:fillRef idx="1">
+            <a:schemeClr val="accent1"/>
+          </a:fillRef>
+          <a:effectRef idx="0">
+            <a:schemeClr val="accent1"/>
+          </a:effectRef>
+          <a:fontRef idx="minor">
+            <a:schemeClr val="lt1"/>
+          </a:fontRef>
+        </p:style>
+        <p:txBody>
+          <a:bodyPr rtlCol="0" anchor="ctr"/>
+          <a:lstStyle/>
+          <a:p>
+            <a:pPr algn="l"/>
+            <a:r>
+              <a:rPr kumimoji="1" lang="ja-JP" altLang="en-US" sz="800">
+                <a:solidFill>
+                  <a:schemeClr val="tx1"/>
+                </a:solidFill>
+              </a:rPr>
+              <a:t>サイトの分類を定義</a:t>
+            </a:r>
+            <a:br>
+              <a:rPr kumimoji="1" lang="en-US" altLang="ja-JP" sz="800">
+                <a:solidFill>
+                  <a:schemeClr val="tx1"/>
+                </a:solidFill>
+              </a:rPr>
+            </a:br>
+            <a:r>
+              <a:rPr lang="ja-JP" altLang="en-US" sz="800">
+                <a:solidFill>
+                  <a:schemeClr val="tx1"/>
+                </a:solidFill>
+              </a:rPr>
+              <a:t>内部</a:t>
+            </a:r>
+            <a:r>
+              <a:rPr kumimoji="1" lang="ja-JP" altLang="en-US" sz="800">
+                <a:solidFill>
+                  <a:schemeClr val="tx1"/>
+                </a:solidFill>
+              </a:rPr>
+              <a:t>処理を分岐</a:t>
+            </a:r>
+          </a:p>
+        </p:txBody>
+      </p:sp>
+      <p:sp>
+        <p:nvSpPr>
+          <p:cNvPr id="11" name="吹き出し: 角を丸めた四角形 10">
+            <a:extLst>
+              <a:ext uri="{FF2B5EF4-FFF2-40B4-BE49-F238E27FC236}">
+                <a16:creationId xmlns:a16="http://schemas.microsoft.com/office/drawing/2014/main" id="{3F99D767-27C1-6E52-7BFB-F35EAB35679D}"/>
+              </a:ext>
+            </a:extLst>
+          </p:cNvPr>
+          <p:cNvSpPr/>
+          <p:nvPr/>
+        </p:nvSpPr>
+        <p:spPr>
+          <a:xfrm>
+            <a:off x="5455232" y="2046121"/>
+            <a:ext cx="1519384" cy="304688"/>
+          </a:xfrm>
+          <a:prstGeom prst="wedgeRoundRectCallout">
+            <a:avLst>
+              <a:gd name="adj1" fmla="val 50697"/>
+              <a:gd name="adj2" fmla="val 100184"/>
+              <a:gd name="adj3" fmla="val 16667"/>
+            </a:avLst>
+          </a:prstGeom>
+          <a:solidFill>
+            <a:schemeClr val="bg1"/>
+          </a:solidFill>
+          <a:ln w="3175">
+            <a:solidFill>
+              <a:schemeClr val="tx1"/>
+            </a:solidFill>
+          </a:ln>
+        </p:spPr>
+        <p:style>
+          <a:lnRef idx="2">
+            <a:schemeClr val="accent1">
+              <a:shade val="15000"/>
+            </a:schemeClr>
+          </a:lnRef>
+          <a:fillRef idx="1">
+            <a:schemeClr val="accent1"/>
+          </a:fillRef>
+          <a:effectRef idx="0">
+            <a:schemeClr val="accent1"/>
+          </a:effectRef>
+          <a:fontRef idx="minor">
+            <a:schemeClr val="lt1"/>
+          </a:fontRef>
+        </p:style>
+        <p:txBody>
+          <a:bodyPr rtlCol="0" anchor="ctr"/>
+          <a:lstStyle/>
+          <a:p>
+            <a:pPr algn="l"/>
+            <a:r>
+              <a:rPr kumimoji="1" lang="en-US" altLang="ja-JP" sz="800">
+                <a:solidFill>
+                  <a:schemeClr val="tx1"/>
+                </a:solidFill>
+              </a:rPr>
+              <a:t>Post</a:t>
+            </a:r>
+            <a:r>
+              <a:rPr kumimoji="1" lang="ja-JP" altLang="en-US" sz="800">
+                <a:solidFill>
+                  <a:schemeClr val="tx1"/>
+                </a:solidFill>
+              </a:rPr>
+              <a:t>がまとめられている</a:t>
+            </a:r>
+            <a:r>
+              <a:rPr kumimoji="1" lang="en-US" altLang="ja-JP" sz="800">
+                <a:solidFill>
+                  <a:schemeClr val="tx1"/>
+                </a:solidFill>
+              </a:rPr>
+              <a:t>ListNode</a:t>
+            </a:r>
+            <a:r>
+              <a:rPr kumimoji="1" lang="ja-JP" altLang="en-US" sz="800">
+                <a:solidFill>
+                  <a:schemeClr val="tx1"/>
+                </a:solidFill>
+              </a:rPr>
+              <a:t>を定義</a:t>
+            </a:r>
+          </a:p>
+        </p:txBody>
+      </p:sp>
+      <p:sp>
+        <p:nvSpPr>
+          <p:cNvPr id="12" name="吹き出し: 角を丸めた四角形 11">
+            <a:extLst>
+              <a:ext uri="{FF2B5EF4-FFF2-40B4-BE49-F238E27FC236}">
+                <a16:creationId xmlns:a16="http://schemas.microsoft.com/office/drawing/2014/main" id="{FB4E5D1B-FBF7-F7B1-9B80-1B9B62D1844E}"/>
+              </a:ext>
+            </a:extLst>
+          </p:cNvPr>
+          <p:cNvSpPr/>
+          <p:nvPr/>
+        </p:nvSpPr>
+        <p:spPr>
+          <a:xfrm>
+            <a:off x="6096000" y="2549013"/>
+            <a:ext cx="759692" cy="215600"/>
+          </a:xfrm>
+          <a:prstGeom prst="wedgeRoundRectCallout">
+            <a:avLst>
+              <a:gd name="adj1" fmla="val 65895"/>
+              <a:gd name="adj2" fmla="val 147"/>
+              <a:gd name="adj3" fmla="val 16667"/>
+            </a:avLst>
+          </a:prstGeom>
+          <a:solidFill>
+            <a:schemeClr val="bg1"/>
+          </a:solidFill>
+          <a:ln w="3175">
+            <a:solidFill>
+              <a:schemeClr val="tx1"/>
+            </a:solidFill>
+          </a:ln>
+        </p:spPr>
+        <p:style>
+          <a:lnRef idx="2">
+            <a:schemeClr val="accent1">
+              <a:shade val="15000"/>
+            </a:schemeClr>
+          </a:lnRef>
+          <a:fillRef idx="1">
+            <a:schemeClr val="accent1"/>
+          </a:fillRef>
+          <a:effectRef idx="0">
+            <a:schemeClr val="accent1"/>
+          </a:effectRef>
+          <a:fontRef idx="minor">
+            <a:schemeClr val="lt1"/>
+          </a:fontRef>
+        </p:style>
+        <p:txBody>
+          <a:bodyPr rtlCol="0" anchor="ctr"/>
+          <a:lstStyle/>
+          <a:p>
+            <a:pPr algn="l"/>
+            <a:r>
+              <a:rPr kumimoji="1" lang="ja-JP" altLang="en-US" sz="800">
+                <a:solidFill>
+                  <a:schemeClr val="tx1"/>
+                </a:solidFill>
+              </a:rPr>
+              <a:t>投稿</a:t>
+            </a:r>
+            <a:r>
+              <a:rPr kumimoji="1" lang="en-US" altLang="ja-JP" sz="800">
+                <a:solidFill>
+                  <a:schemeClr val="tx1"/>
+                </a:solidFill>
+              </a:rPr>
+              <a:t>Node</a:t>
+            </a:r>
+            <a:endParaRPr kumimoji="1" lang="ja-JP" altLang="en-US" sz="800">
+              <a:solidFill>
+                <a:schemeClr val="tx1"/>
+              </a:solidFill>
+            </a:endParaRPr>
+          </a:p>
+        </p:txBody>
+      </p:sp>
+      <p:sp>
+        <p:nvSpPr>
+          <p:cNvPr id="13" name="吹き出し: 角を丸めた四角形 12">
+            <a:extLst>
+              <a:ext uri="{FF2B5EF4-FFF2-40B4-BE49-F238E27FC236}">
+                <a16:creationId xmlns:a16="http://schemas.microsoft.com/office/drawing/2014/main" id="{A5B9484F-EEFC-39CB-C1CC-A337B529D8DA}"/>
+              </a:ext>
+            </a:extLst>
+          </p:cNvPr>
+          <p:cNvSpPr/>
+          <p:nvPr/>
+        </p:nvSpPr>
+        <p:spPr>
+          <a:xfrm>
+            <a:off x="5560291" y="2962817"/>
+            <a:ext cx="1248645" cy="215600"/>
+          </a:xfrm>
+          <a:prstGeom prst="wedgeRoundRectCallout">
+            <a:avLst>
+              <a:gd name="adj1" fmla="val 81811"/>
+              <a:gd name="adj2" fmla="val -38409"/>
+              <a:gd name="adj3" fmla="val 16667"/>
+            </a:avLst>
+          </a:prstGeom>
+          <a:solidFill>
+            <a:schemeClr val="bg1"/>
+          </a:solidFill>
+          <a:ln w="3175">
+            <a:solidFill>
+              <a:schemeClr val="tx1"/>
+            </a:solidFill>
+          </a:ln>
+        </p:spPr>
+        <p:style>
+          <a:lnRef idx="2">
+            <a:schemeClr val="accent1">
+              <a:shade val="15000"/>
+            </a:schemeClr>
+          </a:lnRef>
+          <a:fillRef idx="1">
+            <a:schemeClr val="accent1"/>
+          </a:fillRef>
+          <a:effectRef idx="0">
+            <a:schemeClr val="accent1"/>
+          </a:effectRef>
+          <a:fontRef idx="minor">
+            <a:schemeClr val="lt1"/>
+          </a:fontRef>
+        </p:style>
+        <p:txBody>
+          <a:bodyPr rtlCol="0" anchor="ctr"/>
+          <a:lstStyle/>
+          <a:p>
+            <a:pPr algn="l"/>
+            <a:r>
+              <a:rPr kumimoji="1" lang="ja-JP" altLang="en-US" sz="800">
+                <a:solidFill>
+                  <a:schemeClr val="tx1"/>
+                </a:solidFill>
+              </a:rPr>
+              <a:t>取得したい値の</a:t>
+            </a:r>
+            <a:r>
+              <a:rPr kumimoji="1" lang="en-US" altLang="ja-JP" sz="800">
+                <a:solidFill>
+                  <a:schemeClr val="tx1"/>
+                </a:solidFill>
+              </a:rPr>
+              <a:t>Node</a:t>
+            </a:r>
+            <a:endParaRPr kumimoji="1" lang="ja-JP" altLang="en-US" sz="800">
+              <a:solidFill>
+                <a:schemeClr val="tx1"/>
+              </a:solidFill>
+            </a:endParaRPr>
+          </a:p>
+        </p:txBody>
+      </p:sp>
+      <p:sp>
+        <p:nvSpPr>
+          <p:cNvPr id="14" name="吹き出し: 角を丸めた四角形 13">
+            <a:extLst>
+              <a:ext uri="{FF2B5EF4-FFF2-40B4-BE49-F238E27FC236}">
+                <a16:creationId xmlns:a16="http://schemas.microsoft.com/office/drawing/2014/main" id="{0387D116-F8FD-9AC1-E24F-4B2B4119E5B7}"/>
+              </a:ext>
+            </a:extLst>
+          </p:cNvPr>
+          <p:cNvSpPr/>
+          <p:nvPr/>
+        </p:nvSpPr>
+        <p:spPr>
+          <a:xfrm>
+            <a:off x="5455232" y="3288410"/>
+            <a:ext cx="1491971" cy="267214"/>
+          </a:xfrm>
+          <a:prstGeom prst="wedgeRoundRectCallout">
+            <a:avLst>
+              <a:gd name="adj1" fmla="val 64099"/>
+              <a:gd name="adj2" fmla="val -104324"/>
+              <a:gd name="adj3" fmla="val 16667"/>
+            </a:avLst>
+          </a:prstGeom>
+          <a:solidFill>
+            <a:schemeClr val="bg1"/>
+          </a:solidFill>
+          <a:ln w="3175">
+            <a:solidFill>
+              <a:schemeClr val="tx1"/>
+            </a:solidFill>
+          </a:ln>
+        </p:spPr>
+        <p:style>
+          <a:lnRef idx="2">
+            <a:schemeClr val="accent1">
+              <a:shade val="15000"/>
+            </a:schemeClr>
+          </a:lnRef>
+          <a:fillRef idx="1">
+            <a:schemeClr val="accent1"/>
+          </a:fillRef>
+          <a:effectRef idx="0">
+            <a:schemeClr val="accent1"/>
+          </a:effectRef>
+          <a:fontRef idx="minor">
+            <a:schemeClr val="lt1"/>
+          </a:fontRef>
+        </p:style>
+        <p:txBody>
+          <a:bodyPr rtlCol="0" anchor="ctr"/>
+          <a:lstStyle/>
+          <a:p>
+            <a:pPr algn="l"/>
+            <a:r>
+              <a:rPr kumimoji="1" lang="ja-JP" altLang="en-US" sz="800">
+                <a:solidFill>
+                  <a:schemeClr val="tx1"/>
+                </a:solidFill>
+              </a:rPr>
+              <a:t>取得したい値の属性</a:t>
+            </a:r>
+            <a:br>
+              <a:rPr kumimoji="1" lang="en-US" altLang="ja-JP" sz="800">
+                <a:solidFill>
+                  <a:schemeClr val="tx1"/>
+                </a:solidFill>
+              </a:rPr>
+            </a:br>
+            <a:r>
+              <a:rPr kumimoji="1" lang="en-US" altLang="ja-JP" sz="800">
+                <a:solidFill>
+                  <a:schemeClr val="tx1"/>
+                </a:solidFill>
+              </a:rPr>
+              <a:t>text</a:t>
+            </a:r>
+            <a:r>
+              <a:rPr lang="ja-JP" altLang="en-US" sz="800">
+                <a:solidFill>
+                  <a:schemeClr val="tx1"/>
+                </a:solidFill>
+              </a:rPr>
+              <a:t> </a:t>
+            </a:r>
+            <a:r>
+              <a:rPr lang="en-US" altLang="ja-JP" sz="800">
+                <a:solidFill>
+                  <a:schemeClr val="tx1"/>
+                </a:solidFill>
+              </a:rPr>
+              <a:t>or</a:t>
+            </a:r>
+            <a:r>
+              <a:rPr lang="ja-JP" altLang="en-US" sz="800">
+                <a:solidFill>
+                  <a:schemeClr val="tx1"/>
+                </a:solidFill>
+              </a:rPr>
+              <a:t> </a:t>
+            </a:r>
+            <a:r>
+              <a:rPr kumimoji="1" lang="en-US" altLang="ja-JP" sz="800">
+                <a:solidFill>
+                  <a:schemeClr val="tx1"/>
+                </a:solidFill>
+              </a:rPr>
+              <a:t>attribute</a:t>
+            </a:r>
+            <a:endParaRPr kumimoji="1" lang="ja-JP" altLang="en-US" sz="800">
+              <a:solidFill>
+                <a:schemeClr val="tx1"/>
+              </a:solidFill>
+            </a:endParaRPr>
+          </a:p>
+        </p:txBody>
+      </p:sp>
+      <p:sp>
+        <p:nvSpPr>
+          <p:cNvPr id="15" name="吹き出し: 角を丸めた四角形 14">
+            <a:extLst>
+              <a:ext uri="{FF2B5EF4-FFF2-40B4-BE49-F238E27FC236}">
+                <a16:creationId xmlns:a16="http://schemas.microsoft.com/office/drawing/2014/main" id="{393F8676-13A6-373C-563E-9D394F783FAF}"/>
+              </a:ext>
+            </a:extLst>
+          </p:cNvPr>
+          <p:cNvSpPr/>
+          <p:nvPr/>
+        </p:nvSpPr>
+        <p:spPr>
+          <a:xfrm>
+            <a:off x="5363721" y="6110119"/>
+            <a:ext cx="1491971" cy="267214"/>
+          </a:xfrm>
+          <a:prstGeom prst="wedgeRoundRectCallout">
+            <a:avLst>
+              <a:gd name="adj1" fmla="val 72766"/>
+              <a:gd name="adj2" fmla="val -90498"/>
+              <a:gd name="adj3" fmla="val 16667"/>
+            </a:avLst>
+          </a:prstGeom>
+          <a:solidFill>
+            <a:schemeClr val="bg1"/>
+          </a:solidFill>
+          <a:ln w="3175">
+            <a:solidFill>
+              <a:schemeClr val="tx1"/>
+            </a:solidFill>
+          </a:ln>
+        </p:spPr>
+        <p:style>
+          <a:lnRef idx="2">
+            <a:schemeClr val="accent1">
+              <a:shade val="15000"/>
+            </a:schemeClr>
+          </a:lnRef>
+          <a:fillRef idx="1">
+            <a:schemeClr val="accent1"/>
+          </a:fillRef>
+          <a:effectRef idx="0">
+            <a:schemeClr val="accent1"/>
+          </a:effectRef>
+          <a:fontRef idx="minor">
+            <a:schemeClr val="lt1"/>
+          </a:fontRef>
+        </p:style>
+        <p:txBody>
+          <a:bodyPr rtlCol="0" anchor="ctr"/>
+          <a:lstStyle/>
+          <a:p>
+            <a:pPr algn="l"/>
+            <a:r>
+              <a:rPr kumimoji="1" lang="en-US" altLang="ja-JP" sz="800">
+                <a:solidFill>
+                  <a:schemeClr val="tx1"/>
+                </a:solidFill>
+              </a:rPr>
+              <a:t>TYPE</a:t>
+            </a:r>
+            <a:r>
+              <a:rPr kumimoji="1" lang="ja-JP" altLang="en-US" sz="800">
+                <a:solidFill>
+                  <a:schemeClr val="tx1"/>
+                </a:solidFill>
+              </a:rPr>
+              <a:t>が</a:t>
+            </a:r>
+            <a:r>
+              <a:rPr kumimoji="1" lang="en-US" altLang="ja-JP" sz="800">
+                <a:solidFill>
+                  <a:schemeClr val="tx1"/>
+                </a:solidFill>
+              </a:rPr>
+              <a:t>attibute</a:t>
+            </a:r>
+            <a:r>
+              <a:rPr kumimoji="1" lang="ja-JP" altLang="en-US" sz="800">
+                <a:solidFill>
+                  <a:schemeClr val="tx1"/>
+                </a:solidFill>
+              </a:rPr>
+              <a:t>の場合の、取得したい値の属性</a:t>
+            </a:r>
+            <a:r>
+              <a:rPr kumimoji="1" lang="en-US" altLang="ja-JP" sz="800">
+                <a:solidFill>
+                  <a:schemeClr val="tx1"/>
+                </a:solidFill>
+              </a:rPr>
+              <a:t>,key</a:t>
+            </a:r>
+            <a:endParaRPr kumimoji="1" lang="ja-JP" altLang="en-US" sz="800">
               <a:solidFill>
                 <a:schemeClr val="tx1"/>
               </a:solidFill>

--- a/source/docs/管理ソフトウェア仕様書.pptx
+++ b/source/docs/管理ソフトウェア仕様書.pptx
@@ -277,7 +277,7 @@
           <a:p>
             <a:fld id="{260B2DE4-4C89-464B-BA5F-760EFF51B16B}" type="datetimeFigureOut">
               <a:rPr kumimoji="1" lang="ja-JP" altLang="en-US" smtClean="0"/>
-              <a:t>2025/8/1</a:t>
+              <a:t>2025/8/5</a:t>
             </a:fld>
             <a:endParaRPr kumimoji="1" lang="ja-JP" altLang="en-US"/>
           </a:p>
@@ -523,7 +523,7 @@
           <a:p>
             <a:fld id="{260B2DE4-4C89-464B-BA5F-760EFF51B16B}" type="datetimeFigureOut">
               <a:rPr kumimoji="1" lang="ja-JP" altLang="en-US" smtClean="0"/>
-              <a:t>2025/8/1</a:t>
+              <a:t>2025/8/5</a:t>
             </a:fld>
             <a:endParaRPr kumimoji="1" lang="ja-JP" altLang="en-US"/>
           </a:p>
@@ -769,7 +769,7 @@
           <a:p>
             <a:fld id="{260B2DE4-4C89-464B-BA5F-760EFF51B16B}" type="datetimeFigureOut">
               <a:rPr kumimoji="1" lang="ja-JP" altLang="en-US" smtClean="0"/>
-              <a:t>2025/8/1</a:t>
+              <a:t>2025/8/5</a:t>
             </a:fld>
             <a:endParaRPr kumimoji="1" lang="ja-JP" altLang="en-US"/>
           </a:p>
@@ -882,7 +882,7 @@
           <a:p>
             <a:fld id="{260B2DE4-4C89-464B-BA5F-760EFF51B16B}" type="datetimeFigureOut">
               <a:rPr kumimoji="1" lang="ja-JP" altLang="en-US" smtClean="0"/>
-              <a:t>2025/8/1</a:t>
+              <a:t>2025/8/5</a:t>
             </a:fld>
             <a:endParaRPr kumimoji="1" lang="ja-JP" altLang="en-US"/>
           </a:p>
@@ -1163,7 +1163,7 @@
           <a:p>
             <a:fld id="{260B2DE4-4C89-464B-BA5F-760EFF51B16B}" type="datetimeFigureOut">
               <a:rPr kumimoji="1" lang="ja-JP" altLang="en-US" smtClean="0"/>
-              <a:t>2025/8/1</a:t>
+              <a:t>2025/8/5</a:t>
             </a:fld>
             <a:endParaRPr kumimoji="1" lang="ja-JP" altLang="en-US"/>
           </a:p>
@@ -1506,7 +1506,7 @@
           <a:p>
             <a:fld id="{260B2DE4-4C89-464B-BA5F-760EFF51B16B}" type="datetimeFigureOut">
               <a:rPr kumimoji="1" lang="ja-JP" altLang="en-US" smtClean="0"/>
-              <a:t>2025/8/1</a:t>
+              <a:t>2025/8/5</a:t>
             </a:fld>
             <a:endParaRPr kumimoji="1" lang="ja-JP" altLang="en-US"/>
           </a:p>
@@ -1997,7 +1997,7 @@
           <a:p>
             <a:fld id="{260B2DE4-4C89-464B-BA5F-760EFF51B16B}" type="datetimeFigureOut">
               <a:rPr kumimoji="1" lang="ja-JP" altLang="en-US" smtClean="0"/>
-              <a:t>2025/8/1</a:t>
+              <a:t>2025/8/5</a:t>
             </a:fld>
             <a:endParaRPr kumimoji="1" lang="ja-JP" altLang="en-US"/>
           </a:p>
@@ -2146,7 +2146,7 @@
           <a:p>
             <a:fld id="{260B2DE4-4C89-464B-BA5F-760EFF51B16B}" type="datetimeFigureOut">
               <a:rPr kumimoji="1" lang="ja-JP" altLang="en-US" smtClean="0"/>
-              <a:t>2025/8/1</a:t>
+              <a:t>2025/8/5</a:t>
             </a:fld>
             <a:endParaRPr kumimoji="1" lang="ja-JP" altLang="en-US"/>
           </a:p>
@@ -2259,7 +2259,7 @@
           <a:p>
             <a:fld id="{260B2DE4-4C89-464B-BA5F-760EFF51B16B}" type="datetimeFigureOut">
               <a:rPr kumimoji="1" lang="ja-JP" altLang="en-US" smtClean="0"/>
-              <a:t>2025/8/1</a:t>
+              <a:t>2025/8/5</a:t>
             </a:fld>
             <a:endParaRPr kumimoji="1" lang="ja-JP" altLang="en-US"/>
           </a:p>
@@ -2611,7 +2611,7 @@
           <a:p>
             <a:fld id="{260B2DE4-4C89-464B-BA5F-760EFF51B16B}" type="datetimeFigureOut">
               <a:rPr kumimoji="1" lang="ja-JP" altLang="en-US" smtClean="0"/>
-              <a:t>2025/8/1</a:t>
+              <a:t>2025/8/5</a:t>
             </a:fld>
             <a:endParaRPr kumimoji="1" lang="ja-JP" altLang="en-US"/>
           </a:p>
@@ -2908,7 +2908,7 @@
           <a:p>
             <a:fld id="{260B2DE4-4C89-464B-BA5F-760EFF51B16B}" type="datetimeFigureOut">
               <a:rPr kumimoji="1" lang="ja-JP" altLang="en-US" smtClean="0"/>
-              <a:t>2025/8/1</a:t>
+              <a:t>2025/8/5</a:t>
             </a:fld>
             <a:endParaRPr kumimoji="1" lang="ja-JP" altLang="en-US"/>
           </a:p>
@@ -3044,7 +3044,7 @@
           <a:p>
             <a:fld id="{260B2DE4-4C89-464B-BA5F-760EFF51B16B}" type="datetimeFigureOut">
               <a:rPr kumimoji="1" lang="ja-JP" altLang="en-US" smtClean="0"/>
-              <a:t>2025/8/1</a:t>
+              <a:t>2025/8/5</a:t>
             </a:fld>
             <a:endParaRPr kumimoji="1" lang="ja-JP" altLang="en-US"/>
           </a:p>
